--- a/assignment2_presentation_V2.pptx
+++ b/assignment2_presentation_V2.pptx
@@ -2004,7 +2004,7 @@
       </dgm:t>
     </dgm:pt>
     <dgm:pt modelId="{81FDEB29-CC10-4F92-AB01-1697377DF083}">
-      <dgm:prSet/>
+      <dgm:prSet custT="1"/>
       <dgm:spPr/>
       <dgm:t>
         <a:bodyPr/>
@@ -2016,7 +2016,7 @@
             </a:lnSpc>
           </a:pPr>
           <a:r>
-            <a:rPr lang="en-US"/>
+            <a:rPr lang="en-US" sz="1500" dirty="0"/>
             <a:t>This analysis provided a comprehensive exploration of social and economic trends through visualizations. </a:t>
           </a:r>
         </a:p>
@@ -2050,7 +2050,7 @@
       </dgm:t>
     </dgm:pt>
     <dgm:pt modelId="{7B60A15B-DBFC-4FDD-AD6F-B167927FF8B7}">
-      <dgm:prSet/>
+      <dgm:prSet custT="1"/>
       <dgm:spPr/>
       <dgm:t>
         <a:bodyPr/>
@@ -2062,7 +2062,7 @@
             </a:lnSpc>
           </a:pPr>
           <a:r>
-            <a:rPr lang="en-US"/>
+            <a:rPr lang="en-US" sz="1500" dirty="0"/>
             <a:t>The modular and reusable design of the code ensured flexibility and efficiency in handling diverse datasets. </a:t>
           </a:r>
         </a:p>
@@ -2096,7 +2096,7 @@
       </dgm:t>
     </dgm:pt>
     <dgm:pt modelId="{477F3CF0-7889-4665-B51D-1A9DABFA9A54}">
-      <dgm:prSet/>
+      <dgm:prSet custT="1"/>
       <dgm:spPr/>
       <dgm:t>
         <a:bodyPr/>
@@ -2108,7 +2108,7 @@
             </a:lnSpc>
           </a:pPr>
           <a:r>
-            <a:rPr lang="en-US"/>
+            <a:rPr lang="en-US" sz="1500" dirty="0"/>
             <a:t>The findings reveal some significant patterns, such as the relationship between GDP and calorie intake. </a:t>
           </a:r>
         </a:p>
@@ -2142,7 +2142,7 @@
       </dgm:t>
     </dgm:pt>
     <dgm:pt modelId="{5DE36AFD-3B22-4D49-A2F8-A78646D855CF}">
-      <dgm:prSet/>
+      <dgm:prSet custT="1"/>
       <dgm:spPr/>
       <dgm:t>
         <a:bodyPr/>
@@ -2154,7 +2154,7 @@
             </a:lnSpc>
           </a:pPr>
           <a:r>
-            <a:rPr lang="en-US"/>
+            <a:rPr lang="en-US" sz="1500" dirty="0"/>
             <a:t>Future work could include deeper analyses, such as regression modeling for the relationship between the GDP per capita and daily calorie intake to gain further insight.</a:t>
           </a:r>
         </a:p>
@@ -2600,7 +2600,7 @@
             <a:buNone/>
           </a:pPr>
           <a:r>
-            <a:rPr lang="en-US" sz="1500" kern="1200"/>
+            <a:rPr lang="en-US" sz="1500" kern="1200" dirty="0"/>
             <a:t>This analysis provided a comprehensive exploration of social and economic trends through visualizations. </a:t>
           </a:r>
         </a:p>
@@ -2757,7 +2757,7 @@
             <a:buNone/>
           </a:pPr>
           <a:r>
-            <a:rPr lang="en-US" sz="1500" kern="1200"/>
+            <a:rPr lang="en-US" sz="1500" kern="1200" dirty="0"/>
             <a:t>The modular and reusable design of the code ensured flexibility and efficiency in handling diverse datasets. </a:t>
           </a:r>
         </a:p>
@@ -2914,7 +2914,7 @@
             <a:buNone/>
           </a:pPr>
           <a:r>
-            <a:rPr lang="en-US" sz="1500" kern="1200"/>
+            <a:rPr lang="en-US" sz="1500" kern="1200" dirty="0"/>
             <a:t>The findings reveal some significant patterns, such as the relationship between GDP and calorie intake. </a:t>
           </a:r>
         </a:p>
@@ -3071,7 +3071,7 @@
             <a:buNone/>
           </a:pPr>
           <a:r>
-            <a:rPr lang="en-US" sz="1500" kern="1200"/>
+            <a:rPr lang="en-US" sz="1500" kern="1200" dirty="0"/>
             <a:t>Future work could include deeper analyses, such as regression modeling for the relationship between the GDP per capita and daily calorie intake to gain further insight.</a:t>
           </a:r>
         </a:p>
@@ -4419,7 +4419,7 @@
             </a:pPr>
             <a:fld id="{3632E96E-41F7-40C5-8419-297958CC00FA}" type="datetimeFigureOut">
               <a:rPr lang="en-US"/>
-              <a:t>2/4/2025</a:t>
+              <a:t>2/4/25</a:t>
             </a:fld>
             <a:endParaRPr lang="en-US"/>
           </a:p>
@@ -6048,7 +6048,7 @@
             </a:pPr>
             <a:fld id="{BCC18F51-09EC-435C-A3BA-64A766E099C0}" type="datetimeFigureOut">
               <a:rPr lang="en-US"/>
-              <a:t>2/4/2025</a:t>
+              <a:t>2/4/25</a:t>
             </a:fld>
             <a:endParaRPr lang="en-US"/>
           </a:p>
@@ -6237,7 +6237,7 @@
             </a:pPr>
             <a:fld id="{BCC18F51-09EC-435C-A3BA-64A766E099C0}" type="datetimeFigureOut">
               <a:rPr lang="en-US"/>
-              <a:t>2/4/2025</a:t>
+              <a:t>2/4/25</a:t>
             </a:fld>
             <a:endParaRPr lang="en-US"/>
           </a:p>
@@ -6436,7 +6436,7 @@
             </a:pPr>
             <a:fld id="{BCC18F51-09EC-435C-A3BA-64A766E099C0}" type="datetimeFigureOut">
               <a:rPr lang="en-US"/>
-              <a:t>2/4/2025</a:t>
+              <a:t>2/4/25</a:t>
             </a:fld>
             <a:endParaRPr lang="en-US"/>
           </a:p>
@@ -6625,7 +6625,7 @@
             </a:pPr>
             <a:fld id="{BCC18F51-09EC-435C-A3BA-64A766E099C0}" type="datetimeFigureOut">
               <a:rPr lang="en-US"/>
-              <a:t>2/4/2025</a:t>
+              <a:t>2/4/25</a:t>
             </a:fld>
             <a:endParaRPr lang="en-US"/>
           </a:p>
@@ -6880,7 +6880,7 @@
             </a:pPr>
             <a:fld id="{BCC18F51-09EC-435C-A3BA-64A766E099C0}" type="datetimeFigureOut">
               <a:rPr lang="en-US"/>
-              <a:t>2/4/2025</a:t>
+              <a:t>2/4/25</a:t>
             </a:fld>
             <a:endParaRPr lang="en-US"/>
           </a:p>
@@ -7144,7 +7144,7 @@
             </a:pPr>
             <a:fld id="{BCC18F51-09EC-435C-A3BA-64A766E099C0}" type="datetimeFigureOut">
               <a:rPr lang="en-US"/>
-              <a:t>2/4/2025</a:t>
+              <a:t>2/4/25</a:t>
             </a:fld>
             <a:endParaRPr lang="en-US"/>
           </a:p>
@@ -7549,7 +7549,7 @@
             </a:pPr>
             <a:fld id="{BCC18F51-09EC-435C-A3BA-64A766E099C0}" type="datetimeFigureOut">
               <a:rPr lang="en-US"/>
-              <a:t>2/4/2025</a:t>
+              <a:t>2/4/25</a:t>
             </a:fld>
             <a:endParaRPr lang="en-US"/>
           </a:p>
@@ -7673,7 +7673,7 @@
             </a:pPr>
             <a:fld id="{BCC18F51-09EC-435C-A3BA-64A766E099C0}" type="datetimeFigureOut">
               <a:rPr lang="en-US"/>
-              <a:t>2/4/2025</a:t>
+              <a:t>2/4/25</a:t>
             </a:fld>
             <a:endParaRPr lang="en-US"/>
           </a:p>
@@ -7772,7 +7772,7 @@
             </a:pPr>
             <a:fld id="{BCC18F51-09EC-435C-A3BA-64A766E099C0}" type="datetimeFigureOut">
               <a:rPr lang="en-US"/>
-              <a:t>2/4/2025</a:t>
+              <a:t>2/4/25</a:t>
             </a:fld>
             <a:endParaRPr lang="en-US"/>
           </a:p>
@@ -8071,7 +8071,7 @@
             </a:pPr>
             <a:fld id="{BCC18F51-09EC-435C-A3BA-64A766E099C0}" type="datetimeFigureOut">
               <a:rPr lang="en-US"/>
-              <a:t>2/4/2025</a:t>
+              <a:t>2/4/25</a:t>
             </a:fld>
             <a:endParaRPr lang="en-US"/>
           </a:p>
@@ -8339,7 +8339,7 @@
             </a:pPr>
             <a:fld id="{BCC18F51-09EC-435C-A3BA-64A766E099C0}" type="datetimeFigureOut">
               <a:rPr lang="en-US"/>
-              <a:t>2/4/2025</a:t>
+              <a:t>2/4/25</a:t>
             </a:fld>
             <a:endParaRPr lang="en-US"/>
           </a:p>
@@ -8571,7 +8571,7 @@
             </a:pPr>
             <a:fld id="{BCC18F51-09EC-435C-A3BA-64A766E099C0}" type="datetimeFigureOut">
               <a:rPr lang="en-US"/>
-              <a:t>2/4/2025</a:t>
+              <a:t>2/4/25</a:t>
             </a:fld>
             <a:endParaRPr lang="en-US"/>
           </a:p>
@@ -9340,7 +9340,7 @@
         </p:nvSpPr>
         <p:spPr bwMode="auto">
           <a:xfrm>
-            <a:off x="3491485" y="4045743"/>
+            <a:off x="3491485" y="4062412"/>
             <a:ext cx="2604514" cy="1861342"/>
           </a:xfrm>
         </p:spPr>
@@ -9910,13 +9910,13 @@
         </p:nvSpPr>
         <p:spPr bwMode="auto">
           <a:xfrm>
-            <a:off x="838200" y="1604907"/>
-            <a:ext cx="5006419" cy="4701625"/>
+            <a:off x="838199" y="1604907"/>
+            <a:ext cx="5360719" cy="4887968"/>
           </a:xfrm>
         </p:spPr>
         <p:txBody>
           <a:bodyPr vertOverflow="overflow" horzOverflow="overflow" vert="horz" wrap="square" lIns="91440" tIns="45720" rIns="91440" bIns="45720" numCol="1" spcCol="0" rtlCol="0" fromWordArt="0" anchor="t" anchorCtr="0" forceAA="0" compatLnSpc="0">
-            <a:normAutofit fontScale="87500" lnSpcReduction="20000"/>
+            <a:normAutofit fontScale="87500" lnSpcReduction="10000"/>
           </a:bodyPr>
           <a:lstStyle/>
           <a:p>
@@ -9938,7 +9938,7 @@
               <a:defRPr/>
             </a:pPr>
             <a:r>
-              <a:rPr kumimoji="0" lang="en-US" sz="1700" b="1" i="0" u="none" strike="noStrike" kern="0" cap="none" spc="0" normalizeH="0" baseline="0" noProof="0" dirty="0">
+              <a:rPr kumimoji="0" lang="en-US" sz="1800" b="1" i="0" u="none" strike="noStrike" kern="0" cap="none" spc="0" normalizeH="0" baseline="0" noProof="0" dirty="0">
                 <a:ln>
                   <a:noFill/>
                 </a:ln>
@@ -9954,7 +9954,7 @@
               </a:rPr>
               <a:t>Data</a:t>
             </a:r>
-            <a:endParaRPr kumimoji="0" lang="en-US" sz="1700" b="0" i="0" u="none" strike="noStrike" kern="0" cap="none" spc="0" normalizeH="0" baseline="0" noProof="0" dirty="0">
+            <a:endParaRPr kumimoji="0" lang="en-US" sz="1800" b="0" i="0" u="none" strike="noStrike" kern="0" cap="none" spc="0" normalizeH="0" baseline="0" noProof="0" dirty="0">
               <a:ln>
                 <a:noFill/>
               </a:ln>
@@ -10044,7 +10044,7 @@
               <a:defRPr/>
             </a:pPr>
             <a:r>
-              <a:rPr kumimoji="0" lang="en-US" sz="1700" b="1" i="0" u="none" strike="noStrike" kern="0" cap="none" spc="0" normalizeH="0" baseline="0" noProof="0" dirty="0">
+              <a:rPr kumimoji="0" lang="en-US" sz="1800" b="1" i="0" u="none" strike="noStrike" kern="0" cap="none" spc="0" normalizeH="0" baseline="0" noProof="0" dirty="0">
                 <a:ln>
                   <a:noFill/>
                 </a:ln>
@@ -10060,7 +10060,7 @@
               </a:rPr>
               <a:t>Insights</a:t>
             </a:r>
-            <a:endParaRPr kumimoji="0" lang="en-US" sz="1700" b="0" i="0" u="none" strike="noStrike" kern="0" cap="none" spc="0" normalizeH="0" baseline="0" noProof="0" dirty="0">
+            <a:endParaRPr kumimoji="0" lang="en-US" sz="1800" b="0" i="0" u="none" strike="noStrike" kern="0" cap="none" spc="0" normalizeH="0" baseline="0" noProof="0" dirty="0">
               <a:ln>
                 <a:noFill/>
               </a:ln>
@@ -10082,7 +10082,7 @@
               <a:defRPr/>
             </a:pPr>
             <a:r>
-              <a:rPr kumimoji="0" lang="en-US" sz="1200" b="0" i="0" u="none" strike="noStrike" kern="0" cap="none" spc="0" normalizeH="0" baseline="0" noProof="0" dirty="0">
+              <a:rPr kumimoji="0" lang="en-US" sz="1300" b="0" i="0" u="none" strike="noStrike" kern="0" cap="none" spc="0" normalizeH="0" baseline="0" noProof="0" dirty="0">
                 <a:ln>
                   <a:noFill/>
                 </a:ln>
@@ -10095,10 +10095,10 @@
                 <a:latin typeface="Arial"/>
                 <a:cs typeface="Arial"/>
               </a:rPr>
-              <a:t>Strong positive correlation shows that higher GDP per capita often aligns with higher calorie intake, r = .64, p = .002 (for the calculation </a:t>
-            </a:r>
-            <a:r>
-              <a:rPr kumimoji="0" lang="en-US" sz="1200" b="0" i="0" u="none" strike="noStrike" kern="0" cap="none" spc="0" normalizeH="0" baseline="0" noProof="0" dirty="0" err="1">
+              <a:t>Strong positive correlation shows that higher GDP often aligns with higher calorie intake, r = .64, p = .002 (for the calculation </a:t>
+            </a:r>
+            <a:r>
+              <a:rPr kumimoji="0" lang="en-US" sz="1300" b="0" i="0" u="none" strike="noStrike" kern="0" cap="none" spc="0" normalizeH="0" baseline="0" noProof="0" dirty="0" err="1">
                 <a:ln>
                   <a:noFill/>
                 </a:ln>
@@ -10114,7 +10114,7 @@
               <a:t>pearson</a:t>
             </a:r>
             <a:r>
-              <a:rPr kumimoji="0" lang="en-US" sz="1200" b="0" i="0" u="none" strike="noStrike" kern="0" cap="none" spc="0" normalizeH="0" baseline="0" noProof="0" dirty="0">
+              <a:rPr kumimoji="0" lang="en-US" sz="1300" b="0" i="0" u="none" strike="noStrike" kern="0" cap="none" spc="0" normalizeH="0" baseline="0" noProof="0" dirty="0">
                 <a:ln>
                   <a:noFill/>
                 </a:ln>
@@ -10138,7 +10138,17 @@
               <a:defRPr/>
             </a:pPr>
             <a:r>
-              <a:rPr kumimoji="0" lang="en-US" sz="1200" b="0" i="0" u="none" strike="noStrike" kern="0" cap="none" spc="0" normalizeH="0" baseline="0" noProof="0" dirty="0">
+              <a:rPr lang="en-US" sz="1300" dirty="0">
+                <a:solidFill>
+                  <a:prstClr val="black"/>
+                </a:solidFill>
+                <a:latin typeface="Arial"/>
+                <a:cs typeface="Arial"/>
+              </a:rPr>
+              <a:t>C</a:t>
+            </a:r>
+            <a:r>
+              <a:rPr kumimoji="0" lang="en-US" sz="1300" b="0" i="0" u="none" strike="noStrike" kern="0" cap="none" spc="0" normalizeH="0" baseline="0" noProof="0" dirty="0" err="1">
                 <a:ln>
                   <a:noFill/>
                 </a:ln>
@@ -10151,7 +10161,23 @@
                 <a:latin typeface="Arial"/>
                 <a:cs typeface="Arial"/>
               </a:rPr>
-              <a:t>This means that countries that do better economically tend to consume more calories. </a:t>
+              <a:t>ountries</a:t>
+            </a:r>
+            <a:r>
+              <a:rPr kumimoji="0" lang="en-US" sz="1300" b="0" i="0" u="none" strike="noStrike" kern="0" cap="none" spc="0" normalizeH="0" baseline="0" noProof="0" dirty="0">
+                <a:ln>
+                  <a:noFill/>
+                </a:ln>
+                <a:solidFill>
+                  <a:prstClr val="black"/>
+                </a:solidFill>
+                <a:effectLst/>
+                <a:uLnTx/>
+                <a:uFillTx/>
+                <a:latin typeface="Arial"/>
+                <a:cs typeface="Arial"/>
+              </a:rPr>
+              <a:t> that do better economically tend to consume more calories. </a:t>
             </a:r>
           </a:p>
           <a:p>
@@ -10162,7 +10188,7 @@
               <a:defRPr/>
             </a:pPr>
             <a:r>
-              <a:rPr kumimoji="0" lang="en-US" sz="1200" b="0" i="0" u="none" strike="noStrike" kern="0" cap="none" spc="0" normalizeH="0" baseline="0" noProof="0" dirty="0">
+              <a:rPr kumimoji="0" lang="en-US" sz="1300" b="0" i="0" u="none" strike="noStrike" kern="0" cap="none" spc="0" normalizeH="0" baseline="0" noProof="0" dirty="0">
                 <a:ln>
                   <a:noFill/>
                 </a:ln>
@@ -10186,7 +10212,38 @@
               <a:defRPr/>
             </a:pPr>
             <a:r>
-              <a:rPr kumimoji="0" lang="en-US" sz="1200" b="0" i="0" u="none" strike="noStrike" kern="0" cap="none" spc="0" normalizeH="0" baseline="0" noProof="0" dirty="0">
+              <a:rPr lang="en-US" sz="1300" dirty="0">
+                <a:solidFill>
+                  <a:prstClr val="black"/>
+                </a:solidFill>
+                <a:latin typeface="Arial"/>
+                <a:cs typeface="Arial"/>
+              </a:rPr>
+              <a:t>A higher standard of living, represented by a higher GDP, most likely correlates with a higher calorie consumption.</a:t>
+            </a:r>
+            <a:endParaRPr kumimoji="0" lang="en-US" sz="1300" b="0" i="0" u="none" strike="noStrike" kern="0" cap="none" spc="0" normalizeH="0" baseline="0" noProof="0" dirty="0">
+              <a:ln>
+                <a:noFill/>
+              </a:ln>
+              <a:solidFill>
+                <a:prstClr val="black"/>
+              </a:solidFill>
+              <a:effectLst/>
+              <a:uLnTx/>
+              <a:uFillTx/>
+              <a:latin typeface="Arial"/>
+              <a:cs typeface="Arial"/>
+            </a:endParaRPr>
+          </a:p>
+          <a:p>
+            <a:pPr>
+              <a:lnSpc>
+                <a:spcPct val="110000"/>
+              </a:lnSpc>
+              <a:defRPr/>
+            </a:pPr>
+            <a:r>
+              <a:rPr kumimoji="0" lang="en-US" sz="1300" b="0" i="0" u="none" strike="noStrike" kern="0" cap="none" spc="0" normalizeH="0" baseline="0" noProof="0" dirty="0">
                 <a:ln>
                   <a:noFill/>
                 </a:ln>
@@ -10210,7 +10267,7 @@
               <a:defRPr/>
             </a:pPr>
             <a:r>
-              <a:rPr kumimoji="0" lang="en-US" sz="1200" b="0" i="0" u="none" strike="noStrike" kern="0" cap="none" spc="0" normalizeH="0" baseline="0" noProof="0" dirty="0">
+              <a:rPr kumimoji="0" lang="en-US" sz="1300" b="0" i="0" u="none" strike="noStrike" kern="0" cap="none" spc="0" normalizeH="0" baseline="0" noProof="0" dirty="0">
                 <a:ln>
                   <a:noFill/>
                 </a:ln>
@@ -10260,7 +10317,7 @@
               <a:defRPr/>
             </a:pPr>
             <a:r>
-              <a:rPr lang="en-US" sz="1700" b="1" dirty="0">
+              <a:rPr lang="en-US" sz="1800" b="1" dirty="0">
                 <a:solidFill>
                   <a:prstClr val="black"/>
                 </a:solidFill>
@@ -10269,7 +10326,7 @@
               </a:rPr>
               <a:t>Relevance</a:t>
             </a:r>
-            <a:endParaRPr kumimoji="0" lang="en-US" sz="1700" b="0" i="0" u="none" strike="noStrike" kern="0" cap="none" spc="0" normalizeH="0" baseline="0" noProof="0" dirty="0">
+            <a:endParaRPr kumimoji="0" lang="en-US" sz="1800" b="0" i="0" u="none" strike="noStrike" kern="0" cap="none" spc="0" normalizeH="0" baseline="0" noProof="0" dirty="0">
               <a:ln>
                 <a:noFill/>
               </a:ln>
@@ -10311,16 +10368,6 @@
               </a:rPr>
               <a:t>This highlights the link between economic prosperity and food availability</a:t>
             </a:r>
-            <a:br>
-              <a:rPr lang="en-US" sz="1200" b="0" i="0" u="none" dirty="0">
-                <a:solidFill>
-                  <a:srgbClr val="000000"/>
-                </a:solidFill>
-                <a:latin typeface="Times New Roman"/>
-                <a:ea typeface="Times New Roman"/>
-                <a:cs typeface="Times New Roman"/>
-              </a:rPr>
-            </a:br>
             <a:endParaRPr lang="en-US" sz="1400" dirty="0"/>
           </a:p>
         </p:txBody>
@@ -10403,7 +10450,7 @@
               <a:defRPr/>
             </a:pPr>
             <a:r>
-              <a:rPr lang="de-DE" sz="2800" b="1">
+              <a:rPr lang="de-DE" sz="2800" b="1" dirty="0" err="1">
                 <a:solidFill>
                   <a:srgbClr val="EF2B5B"/>
                 </a:solidFill>
@@ -10430,7 +10477,7 @@
             <p:ph idx="1"/>
             <p:extLst>
               <p:ext uri="{D42A27DB-BD31-4B8C-83A1-F6EECF244321}">
-                <p14:modId xmlns:p14="http://schemas.microsoft.com/office/powerpoint/2010/main" val="917170279"/>
+                <p14:modId xmlns:p14="http://schemas.microsoft.com/office/powerpoint/2010/main" val="4061025054"/>
               </p:ext>
             </p:extLst>
           </p:nvPr>
@@ -10749,6 +10796,33 @@
             </a:endParaRPr>
           </a:p>
           <a:p>
+            <a:pPr marL="228600" marR="0" lvl="0" indent="-228600" algn="l" defTabSz="914400" eaLnBrk="1" fontAlgn="auto" latinLnBrk="0" hangingPunct="1">
+              <a:lnSpc>
+                <a:spcPct val="90000"/>
+              </a:lnSpc>
+              <a:spcBef>
+                <a:spcPts val="1000"/>
+              </a:spcBef>
+              <a:spcAft>
+                <a:spcPts val="0"/>
+              </a:spcAft>
+              <a:buClrTx/>
+              <a:buSzTx/>
+              <a:buFont typeface="Arial"/>
+              <a:buChar char="•"/>
+              <a:tabLst/>
+              <a:defRPr/>
+            </a:pPr>
+            <a:endParaRPr lang="en-US" sz="1600" b="0" i="0" u="none" dirty="0">
+              <a:solidFill>
+                <a:prstClr val="black"/>
+              </a:solidFill>
+              <a:latin typeface="Arial"/>
+              <a:ea typeface="Times New Roman"/>
+              <a:cs typeface="Arial"/>
+            </a:endParaRPr>
+          </a:p>
+          <a:p>
             <a:pPr marL="0" marR="0" lvl="0" indent="0" algn="l" defTabSz="914400" eaLnBrk="1" fontAlgn="auto" latinLnBrk="0" hangingPunct="1">
               <a:lnSpc>
                 <a:spcPct val="90000"/>
@@ -10816,7 +10890,7 @@
               <a:defRPr/>
             </a:pPr>
             <a:r>
-              <a:rPr kumimoji="0" lang="en-US" sz="1600" b="0" i="0" u="none" strike="noStrike" kern="0" cap="none" spc="0" normalizeH="0" baseline="0" noProof="0" dirty="0">
+              <a:rPr kumimoji="0" lang="en-US" sz="1700" b="0" i="0" u="none" strike="noStrike" kern="0" cap="none" spc="0" normalizeH="0" baseline="0" noProof="0" dirty="0">
                 <a:ln>
                   <a:noFill/>
                 </a:ln>
@@ -10829,36 +10903,10 @@
                 <a:latin typeface="Arial"/>
                 <a:cs typeface="Arial"/>
               </a:rPr>
-              <a:t>“Risk factors for health” for alcohol consum</a:t>
-            </a:r>
-            <a:r>
-              <a:rPr lang="en-US" sz="1600" dirty="0">
-                <a:solidFill>
-                  <a:prstClr val="black"/>
-                </a:solidFill>
-                <a:latin typeface="Arial"/>
-                <a:cs typeface="Arial"/>
-              </a:rPr>
-              <a:t>p</a:t>
-            </a:r>
-            <a:r>
-              <a:rPr kumimoji="0" lang="en-US" sz="1600" b="0" i="0" u="none" strike="noStrike" kern="0" cap="none" spc="0" normalizeH="0" baseline="0" noProof="0" dirty="0">
-                <a:ln>
-                  <a:noFill/>
-                </a:ln>
-                <a:solidFill>
-                  <a:prstClr val="black"/>
-                </a:solidFill>
-                <a:effectLst/>
-                <a:uLnTx/>
-                <a:uFillTx/>
-                <a:latin typeface="Arial"/>
-                <a:cs typeface="Arial"/>
-              </a:rPr>
-              <a:t>tion and daily calorie intake </a:t>
-            </a:r>
-            <a:r>
-              <a:rPr kumimoji="0" lang="en-US" sz="1600" b="0" i="0" u="none" strike="noStrike" kern="0" cap="none" spc="0" normalizeH="0" baseline="0" noProof="0" dirty="0">
+              <a:t>“Risk factors for health” </a:t>
+            </a:r>
+            <a:r>
+              <a:rPr kumimoji="0" lang="en-US" sz="1700" b="0" i="0" u="none" strike="noStrike" kern="0" cap="none" spc="0" normalizeH="0" baseline="0" noProof="0" dirty="0">
                 <a:ln>
                   <a:noFill/>
                 </a:ln>
@@ -10874,7 +10922,145 @@
               </a:rPr>
               <a:t>(OECD-Link)</a:t>
             </a:r>
-            <a:endParaRPr lang="en-US" sz="1600" dirty="0">
+            <a:endParaRPr kumimoji="0" lang="en-US" sz="1700" b="0" i="0" u="none" strike="noStrike" kern="0" cap="none" spc="0" normalizeH="0" baseline="0" noProof="0" dirty="0">
+              <a:ln>
+                <a:noFill/>
+              </a:ln>
+              <a:solidFill>
+                <a:prstClr val="black"/>
+              </a:solidFill>
+              <a:effectLst/>
+              <a:uLnTx/>
+              <a:uFillTx/>
+              <a:latin typeface="Arial"/>
+              <a:cs typeface="Arial"/>
+            </a:endParaRPr>
+          </a:p>
+          <a:p>
+            <a:pPr marL="457200" lvl="1" indent="0">
+              <a:spcBef>
+                <a:spcPts val="1000"/>
+              </a:spcBef>
+              <a:buNone/>
+              <a:defRPr/>
+            </a:pPr>
+            <a:r>
+              <a:rPr lang="en-US" sz="1200" dirty="0">
+                <a:solidFill>
+                  <a:prstClr val="black"/>
+                </a:solidFill>
+                <a:latin typeface="Arial"/>
+                <a:cs typeface="Arial"/>
+              </a:rPr>
+              <a:t>→ used </a:t>
+            </a:r>
+            <a:r>
+              <a:rPr kumimoji="0" lang="en-US" sz="1200" b="0" i="0" u="none" strike="noStrike" kern="0" cap="none" spc="0" normalizeH="0" baseline="0" noProof="0" dirty="0">
+                <a:ln>
+                  <a:noFill/>
+                </a:ln>
+                <a:solidFill>
+                  <a:prstClr val="black"/>
+                </a:solidFill>
+                <a:effectLst/>
+                <a:uLnTx/>
+                <a:uFillTx/>
+                <a:latin typeface="Arial"/>
+                <a:cs typeface="Arial"/>
+              </a:rPr>
+              <a:t>for </a:t>
+            </a:r>
+            <a:r>
+              <a:rPr kumimoji="0" lang="en-US" sz="1200" b="0" i="0" strike="noStrike" kern="0" cap="none" spc="0" normalizeH="0" baseline="0" noProof="0" dirty="0">
+                <a:ln>
+                  <a:noFill/>
+                </a:ln>
+                <a:solidFill>
+                  <a:prstClr val="black"/>
+                </a:solidFill>
+                <a:effectLst/>
+                <a:uLnTx/>
+                <a:uFillTx/>
+                <a:latin typeface="Arial"/>
+                <a:cs typeface="Arial"/>
+              </a:rPr>
+              <a:t>alcohol </a:t>
+            </a:r>
+            <a:r>
+              <a:rPr kumimoji="0" lang="en-US" sz="1200" b="0" i="0" strike="noStrike" kern="0" cap="none" spc="0" normalizeH="0" baseline="0" noProof="0" dirty="0" err="1">
+                <a:ln>
+                  <a:noFill/>
+                </a:ln>
+                <a:solidFill>
+                  <a:prstClr val="black"/>
+                </a:solidFill>
+                <a:effectLst/>
+                <a:uLnTx/>
+                <a:uFillTx/>
+                <a:latin typeface="Arial"/>
+                <a:cs typeface="Arial"/>
+              </a:rPr>
+              <a:t>consum</a:t>
+            </a:r>
+            <a:r>
+              <a:rPr lang="en-US" sz="1200" dirty="0">
+                <a:solidFill>
+                  <a:prstClr val="black"/>
+                </a:solidFill>
+                <a:latin typeface="Arial"/>
+                <a:cs typeface="Arial"/>
+              </a:rPr>
+              <a:t>p</a:t>
+            </a:r>
+            <a:r>
+              <a:rPr kumimoji="0" lang="en-US" sz="1200" b="0" i="0" strike="noStrike" kern="0" cap="none" spc="0" normalizeH="0" baseline="0" noProof="0" dirty="0" err="1">
+                <a:ln>
+                  <a:noFill/>
+                </a:ln>
+                <a:solidFill>
+                  <a:prstClr val="black"/>
+                </a:solidFill>
+                <a:effectLst/>
+                <a:uLnTx/>
+                <a:uFillTx/>
+                <a:latin typeface="Arial"/>
+                <a:cs typeface="Arial"/>
+              </a:rPr>
+              <a:t>tion</a:t>
+            </a:r>
+            <a:r>
+              <a:rPr kumimoji="0" lang="en-US" sz="1200" b="0" i="0" strike="noStrike" kern="0" cap="none" spc="0" normalizeH="0" baseline="0" noProof="0" dirty="0">
+                <a:ln>
+                  <a:noFill/>
+                </a:ln>
+                <a:solidFill>
+                  <a:prstClr val="black"/>
+                </a:solidFill>
+                <a:effectLst/>
+                <a:uLnTx/>
+                <a:uFillTx/>
+                <a:latin typeface="Arial"/>
+                <a:cs typeface="Arial"/>
+              </a:rPr>
+              <a:t> </a:t>
+            </a:r>
+            <a:r>
+              <a:rPr kumimoji="0" lang="en-US" sz="1200" b="0" i="0" u="none" strike="noStrike" kern="0" cap="none" spc="0" normalizeH="0" baseline="0" noProof="0" dirty="0">
+                <a:ln>
+                  <a:noFill/>
+                </a:ln>
+                <a:solidFill>
+                  <a:prstClr val="black"/>
+                </a:solidFill>
+                <a:effectLst/>
+                <a:uLnTx/>
+                <a:uFillTx/>
+                <a:latin typeface="Arial"/>
+                <a:cs typeface="Arial"/>
+              </a:rPr>
+              <a:t>and daily calorie-intake data</a:t>
+            </a:r>
+            <a:endParaRPr lang="en-US" sz="1200" dirty="0">
               <a:solidFill>
                 <a:prstClr val="black"/>
               </a:solidFill>
@@ -10901,37 +11087,17 @@
               <a:defRPr/>
             </a:pPr>
             <a:r>
-              <a:rPr lang="en-US" sz="1600" dirty="0">
+              <a:rPr lang="en-US" sz="1700" dirty="0">
                 <a:solidFill>
                   <a:prstClr val="black"/>
                 </a:solidFill>
                 <a:latin typeface="Arial"/>
                 <a:cs typeface="Arial"/>
               </a:rPr>
-              <a:t>“Income distribution” for </a:t>
-            </a:r>
-            <a:r>
-              <a:rPr lang="en-US" sz="1600" dirty="0" err="1">
-                <a:solidFill>
-                  <a:prstClr val="black"/>
-                </a:solidFill>
-                <a:latin typeface="Arial"/>
-                <a:cs typeface="Arial"/>
-              </a:rPr>
-              <a:t>gini</a:t>
-            </a:r>
-            <a:r>
-              <a:rPr lang="en-US" sz="1600" dirty="0">
-                <a:solidFill>
-                  <a:prstClr val="black"/>
-                </a:solidFill>
-                <a:latin typeface="Arial"/>
-                <a:cs typeface="Arial"/>
-              </a:rPr>
-              <a:t> coefficient (</a:t>
-            </a:r>
-            <a:r>
-              <a:rPr lang="en-US" sz="1600" dirty="0">
+              <a:t>“Income distribution” (</a:t>
+            </a:r>
+            <a:r>
+              <a:rPr lang="en-US" sz="1700" dirty="0">
                 <a:solidFill>
                   <a:prstClr val="black"/>
                 </a:solidFill>
@@ -10942,7 +11108,7 @@
               <a:t>OECD-Link</a:t>
             </a:r>
             <a:r>
-              <a:rPr lang="en-US" sz="1600" dirty="0">
+              <a:rPr lang="en-US" sz="1700" dirty="0">
                 <a:solidFill>
                   <a:prstClr val="black"/>
                 </a:solidFill>
@@ -10950,6 +11116,25 @@
                 <a:cs typeface="Arial"/>
               </a:rPr>
               <a:t>)</a:t>
+            </a:r>
+          </a:p>
+          <a:p>
+            <a:pPr marL="457200" lvl="1" indent="0">
+              <a:spcBef>
+                <a:spcPts val="1000"/>
+              </a:spcBef>
+              <a:buNone/>
+              <a:defRPr/>
+            </a:pPr>
+            <a:r>
+              <a:rPr lang="en-US" sz="1200" dirty="0">
+                <a:solidFill>
+                  <a:prstClr val="black"/>
+                </a:solidFill>
+                <a:latin typeface="Arial"/>
+                <a:cs typeface="Arial"/>
+              </a:rPr>
+              <a:t>→ used for Gini-Coefficient</a:t>
             </a:r>
           </a:p>
           <a:p>
@@ -10971,7 +11156,7 @@
               <a:defRPr/>
             </a:pPr>
             <a:r>
-              <a:rPr lang="en-US" sz="1600" dirty="0">
+              <a:rPr lang="en-US" sz="1700" dirty="0">
                 <a:solidFill>
                   <a:prstClr val="black"/>
                 </a:solidFill>
@@ -10981,7 +11166,7 @@
               <a:t>“Annual GDP” (</a:t>
             </a:r>
             <a:r>
-              <a:rPr lang="en-US" sz="1600" dirty="0">
+              <a:rPr lang="en-US" sz="1700" dirty="0">
                 <a:solidFill>
                   <a:prstClr val="black"/>
                 </a:solidFill>
@@ -10992,7 +11177,7 @@
               <a:t>OECD-Link</a:t>
             </a:r>
             <a:r>
-              <a:rPr lang="en-US" sz="1600" dirty="0">
+              <a:rPr lang="en-US" sz="1700" dirty="0">
                 <a:solidFill>
                   <a:prstClr val="black"/>
                 </a:solidFill>
@@ -11001,84 +11186,6 @@
               </a:rPr>
               <a:t>)</a:t>
             </a:r>
-          </a:p>
-          <a:p>
-            <a:pPr marL="228600" marR="0" lvl="0" indent="-228600" algn="l" defTabSz="914400" eaLnBrk="1" fontAlgn="auto" latinLnBrk="0" hangingPunct="1">
-              <a:lnSpc>
-                <a:spcPct val="90000"/>
-              </a:lnSpc>
-              <a:spcBef>
-                <a:spcPts val="1000"/>
-              </a:spcBef>
-              <a:spcAft>
-                <a:spcPts val="0"/>
-              </a:spcAft>
-              <a:buClrTx/>
-              <a:buSzTx/>
-              <a:buFont typeface="Arial"/>
-              <a:buChar char="•"/>
-              <a:tabLst/>
-              <a:defRPr/>
-            </a:pPr>
-            <a:endParaRPr lang="en-US" sz="1600" dirty="0">
-              <a:solidFill>
-                <a:prstClr val="black"/>
-              </a:solidFill>
-              <a:latin typeface="Arial"/>
-              <a:cs typeface="Arial"/>
-            </a:endParaRPr>
-          </a:p>
-          <a:p>
-            <a:pPr marL="228600" marR="0" lvl="0" indent="-228600" algn="l" defTabSz="914400" eaLnBrk="1" fontAlgn="auto" latinLnBrk="0" hangingPunct="1">
-              <a:lnSpc>
-                <a:spcPct val="90000"/>
-              </a:lnSpc>
-              <a:spcBef>
-                <a:spcPts val="1000"/>
-              </a:spcBef>
-              <a:spcAft>
-                <a:spcPts val="0"/>
-              </a:spcAft>
-              <a:buClrTx/>
-              <a:buSzTx/>
-              <a:buFont typeface="Arial"/>
-              <a:buChar char="•"/>
-              <a:tabLst/>
-              <a:defRPr/>
-            </a:pPr>
-            <a:endParaRPr lang="en-US" sz="1600" dirty="0">
-              <a:solidFill>
-                <a:prstClr val="black"/>
-              </a:solidFill>
-              <a:latin typeface="Arial"/>
-              <a:cs typeface="Arial"/>
-            </a:endParaRPr>
-          </a:p>
-          <a:p>
-            <a:pPr marL="228600" marR="0" lvl="0" indent="-228600" algn="l" defTabSz="914400" eaLnBrk="1" fontAlgn="auto" latinLnBrk="0" hangingPunct="1">
-              <a:lnSpc>
-                <a:spcPct val="90000"/>
-              </a:lnSpc>
-              <a:spcBef>
-                <a:spcPts val="1000"/>
-              </a:spcBef>
-              <a:spcAft>
-                <a:spcPts val="0"/>
-              </a:spcAft>
-              <a:buClrTx/>
-              <a:buSzTx/>
-              <a:buFont typeface="Arial"/>
-              <a:buChar char="•"/>
-              <a:tabLst/>
-              <a:defRPr/>
-            </a:pPr>
-            <a:endParaRPr lang="en-US" sz="1600" dirty="0">
-              <a:solidFill>
-                <a:prstClr val="black"/>
-              </a:solidFill>
-              <a:latin typeface="Arial"/>
-              <a:cs typeface="Arial"/>
-            </a:endParaRPr>
           </a:p>
           <a:p>
             <a:pPr marL="0" marR="0" lvl="0" indent="0" algn="l" defTabSz="914400" eaLnBrk="1" fontAlgn="auto" latinLnBrk="0" hangingPunct="1">
@@ -11093,34 +11200,16 @@
               </a:spcAft>
               <a:buClrTx/>
               <a:buSzTx/>
-              <a:buFont typeface="Arial"/>
               <a:buNone/>
               <a:tabLst/>
               <a:defRPr/>
             </a:pPr>
-            <a:r>
-              <a:rPr lang="en-US" sz="2300" b="1" dirty="0">
-                <a:solidFill>
-                  <a:prstClr val="black"/>
-                </a:solidFill>
-                <a:latin typeface="Arial"/>
-                <a:cs typeface="Arial"/>
-                <a:hlinkClick r:id="rId6"/>
-              </a:rPr>
-              <a:t>GitHub repository</a:t>
-            </a:r>
-            <a:endParaRPr kumimoji="0" lang="en-US" sz="2300" b="0" i="0" u="none" strike="noStrike" kern="0" cap="none" spc="0" normalizeH="0" baseline="0" noProof="0" dirty="0">
-              <a:ln>
-                <a:noFill/>
-              </a:ln>
+            <a:endParaRPr lang="en-US" sz="1600" dirty="0">
               <a:solidFill>
                 <a:prstClr val="black"/>
               </a:solidFill>
-              <a:effectLst/>
-              <a:uLnTx/>
-              <a:uFillTx/>
-              <a:latin typeface="Times New Roman"/>
-              <a:cs typeface="Times New Roman"/>
+              <a:latin typeface="Arial"/>
+              <a:cs typeface="Arial"/>
             </a:endParaRPr>
           </a:p>
         </p:txBody>
@@ -11134,7 +11223,7 @@
           <p:nvPr/>
         </p:nvPicPr>
         <p:blipFill>
-          <a:blip r:embed="rId7"/>
+          <a:blip r:embed="rId6"/>
           <a:stretch/>
         </p:blipFill>
         <p:spPr bwMode="auto">
@@ -11147,6 +11236,196 @@
           </a:prstGeom>
         </p:spPr>
       </p:pic>
+      <p:grpSp>
+        <p:nvGrpSpPr>
+          <p:cNvPr id="10" name="Gruppieren 9">
+            <a:extLst>
+              <a:ext uri="{FF2B5EF4-FFF2-40B4-BE49-F238E27FC236}">
+                <a16:creationId xmlns:a16="http://schemas.microsoft.com/office/drawing/2014/main" id="{7124CDF0-66BE-1C3E-4500-EB78520BEB33}"/>
+              </a:ext>
+            </a:extLst>
+          </p:cNvPr>
+          <p:cNvGrpSpPr/>
+          <p:nvPr/>
+        </p:nvGrpSpPr>
+        <p:grpSpPr>
+          <a:xfrm>
+            <a:off x="9103816" y="3364246"/>
+            <a:ext cx="2630941" cy="2592000"/>
+            <a:chOff x="8509061" y="3580552"/>
+            <a:chExt cx="2630941" cy="2592000"/>
+          </a:xfrm>
+        </p:grpSpPr>
+        <p:sp>
+          <p:nvSpPr>
+            <p:cNvPr id="9" name="Abgerundetes Rechteck 8">
+              <a:extLst>
+                <a:ext uri="{FF2B5EF4-FFF2-40B4-BE49-F238E27FC236}">
+                  <a16:creationId xmlns:a16="http://schemas.microsoft.com/office/drawing/2014/main" id="{AA8EBA32-1EDE-1BB0-867B-2C501EB5F2D3}"/>
+                </a:ext>
+              </a:extLst>
+            </p:cNvPr>
+            <p:cNvSpPr/>
+            <p:nvPr/>
+          </p:nvSpPr>
+          <p:spPr>
+            <a:xfrm>
+              <a:off x="8509061" y="3580552"/>
+              <a:ext cx="2592000" cy="2592000"/>
+            </a:xfrm>
+            <a:prstGeom prst="roundRect">
+              <a:avLst/>
+            </a:prstGeom>
+            <a:noFill/>
+            <a:ln w="31750">
+              <a:solidFill>
+                <a:srgbClr val="FF0000">
+                  <a:alpha val="55000"/>
+                </a:srgbClr>
+              </a:solidFill>
+            </a:ln>
+          </p:spPr>
+          <p:style>
+            <a:lnRef idx="2">
+              <a:schemeClr val="accent1">
+                <a:shade val="15000"/>
+              </a:schemeClr>
+            </a:lnRef>
+            <a:fillRef idx="1">
+              <a:schemeClr val="accent1"/>
+            </a:fillRef>
+            <a:effectRef idx="0">
+              <a:schemeClr val="accent1"/>
+            </a:effectRef>
+            <a:fontRef idx="minor">
+              <a:schemeClr val="lt1"/>
+            </a:fontRef>
+          </p:style>
+          <p:txBody>
+            <a:bodyPr rtlCol="0" anchor="ctr"/>
+            <a:lstStyle/>
+            <a:p>
+              <a:pPr algn="ctr"/>
+              <a:endParaRPr lang="de-DE"/>
+            </a:p>
+          </p:txBody>
+        </p:sp>
+        <p:sp>
+          <p:nvSpPr>
+            <p:cNvPr id="5" name="Textfeld 4">
+              <a:extLst>
+                <a:ext uri="{FF2B5EF4-FFF2-40B4-BE49-F238E27FC236}">
+                  <a16:creationId xmlns:a16="http://schemas.microsoft.com/office/drawing/2014/main" id="{2D01A717-83A9-E000-B611-EB7C10497C5C}"/>
+                </a:ext>
+              </a:extLst>
+            </p:cNvPr>
+            <p:cNvSpPr txBox="1"/>
+            <p:nvPr/>
+          </p:nvSpPr>
+          <p:spPr>
+            <a:xfrm>
+              <a:off x="8509061" y="3780577"/>
+              <a:ext cx="2630941" cy="397032"/>
+            </a:xfrm>
+            <a:prstGeom prst="rect">
+              <a:avLst/>
+            </a:prstGeom>
+            <a:noFill/>
+            <a:ln>
+              <a:noFill/>
+            </a:ln>
+          </p:spPr>
+          <p:txBody>
+            <a:bodyPr wrap="square" rtlCol="0">
+              <a:spAutoFit/>
+            </a:bodyPr>
+            <a:lstStyle/>
+            <a:p>
+              <a:pPr marL="0" marR="0" lvl="0" indent="0" algn="ctr" defTabSz="914400" eaLnBrk="1" fontAlgn="auto" latinLnBrk="0" hangingPunct="1">
+                <a:lnSpc>
+                  <a:spcPct val="90000"/>
+                </a:lnSpc>
+                <a:spcBef>
+                  <a:spcPts val="1000"/>
+                </a:spcBef>
+                <a:spcAft>
+                  <a:spcPts val="0"/>
+                </a:spcAft>
+                <a:buClrTx/>
+                <a:buSzTx/>
+                <a:buFont typeface="Arial"/>
+                <a:buNone/>
+                <a:tabLst/>
+                <a:defRPr/>
+              </a:pPr>
+              <a:r>
+                <a:rPr lang="en-US" sz="2200" b="1" dirty="0">
+                  <a:solidFill>
+                    <a:prstClr val="black"/>
+                  </a:solidFill>
+                  <a:latin typeface="Arial"/>
+                  <a:cs typeface="Arial"/>
+                  <a:hlinkClick r:id="rId7"/>
+                </a:rPr>
+                <a:t>GitHub repository</a:t>
+              </a:r>
+              <a:endParaRPr kumimoji="0" lang="en-US" sz="2200" b="0" i="0" u="none" strike="noStrike" kern="0" cap="none" spc="0" normalizeH="0" baseline="0" noProof="0" dirty="0">
+                <a:ln>
+                  <a:noFill/>
+                </a:ln>
+                <a:solidFill>
+                  <a:prstClr val="black"/>
+                </a:solidFill>
+                <a:effectLst/>
+                <a:uLnTx/>
+                <a:uFillTx/>
+                <a:latin typeface="Times New Roman"/>
+                <a:cs typeface="Times New Roman"/>
+              </a:endParaRPr>
+            </a:p>
+          </p:txBody>
+        </p:sp>
+        <p:pic>
+          <p:nvPicPr>
+            <p:cNvPr id="7" name="Grafik 6" descr="Ein Bild, das Muster, Quadrat, Pixel, Kreuzworträtsel enthält.&#10;&#10;KI-generierte Inhalte können fehlerhaft sein.">
+              <a:extLst>
+                <a:ext uri="{FF2B5EF4-FFF2-40B4-BE49-F238E27FC236}">
+                  <a16:creationId xmlns:a16="http://schemas.microsoft.com/office/drawing/2014/main" id="{2DF0EAEB-93EE-48ED-ECBC-000E127BE7C9}"/>
+                </a:ext>
+              </a:extLst>
+            </p:cNvPr>
+            <p:cNvPicPr>
+              <a:picLocks noChangeAspect="1"/>
+            </p:cNvPicPr>
+            <p:nvPr/>
+          </p:nvPicPr>
+          <p:blipFill>
+            <a:blip r:embed="rId8">
+              <a:extLst>
+                <a:ext uri="{28A0092B-C50C-407E-A947-70E740481C1C}">
+                  <a14:useLocalDpi xmlns:a14="http://schemas.microsoft.com/office/drawing/2010/main" val="0"/>
+                </a:ext>
+              </a:extLst>
+            </a:blip>
+            <a:stretch>
+              <a:fillRect/>
+            </a:stretch>
+          </p:blipFill>
+          <p:spPr>
+            <a:xfrm>
+              <a:off x="8918032" y="4177609"/>
+              <a:ext cx="1812998" cy="1812998"/>
+            </a:xfrm>
+            <a:prstGeom prst="rect">
+              <a:avLst/>
+            </a:prstGeom>
+            <a:noFill/>
+            <a:ln>
+              <a:noFill/>
+            </a:ln>
+          </p:spPr>
+        </p:pic>
+      </p:grpSp>
     </p:spTree>
   </p:cSld>
   <p:clrMapOvr>
@@ -11281,7 +11560,7 @@
         </p:blipFill>
         <p:spPr bwMode="auto">
           <a:xfrm>
-            <a:off x="960875" y="2045111"/>
+            <a:off x="960875" y="2729041"/>
             <a:ext cx="10270250" cy="3731340"/>
           </a:xfrm>
           <a:prstGeom prst="rect">
@@ -11289,6 +11568,157 @@
           </a:prstGeom>
         </p:spPr>
       </p:pic>
+      <p:sp>
+        <p:nvSpPr>
+          <p:cNvPr id="2" name="Content Placeholder 2">
+            <a:extLst>
+              <a:ext uri="{FF2B5EF4-FFF2-40B4-BE49-F238E27FC236}">
+                <a16:creationId xmlns:a16="http://schemas.microsoft.com/office/drawing/2014/main" id="{90CE8F9B-1148-65AE-E2B3-103C96EF44BD}"/>
+              </a:ext>
+            </a:extLst>
+          </p:cNvPr>
+          <p:cNvSpPr>
+            <a:spLocks noGrp="1"/>
+          </p:cNvSpPr>
+          <p:nvPr>
+            <p:ph idx="1"/>
+          </p:nvPr>
+        </p:nvSpPr>
+        <p:spPr bwMode="auto">
+          <a:xfrm>
+            <a:off x="838200" y="1586094"/>
+            <a:ext cx="10270250" cy="1142947"/>
+          </a:xfrm>
+        </p:spPr>
+        <p:txBody>
+          <a:bodyPr vertOverflow="overflow" horzOverflow="overflow" vert="horz" wrap="square" lIns="91440" tIns="45720" rIns="91440" bIns="45720" numCol="1" spcCol="0" rtlCol="0" fromWordArt="0" anchor="t" anchorCtr="0" forceAA="0" compatLnSpc="0">
+            <a:normAutofit fontScale="95000" lnSpcReduction="10000"/>
+          </a:bodyPr>
+          <a:lstStyle/>
+          <a:p>
+            <a:pPr marL="0" marR="0" lvl="0" indent="0" algn="l" defTabSz="914400" eaLnBrk="1" fontAlgn="auto" latinLnBrk="0" hangingPunct="1">
+              <a:lnSpc>
+                <a:spcPct val="90000"/>
+              </a:lnSpc>
+              <a:spcBef>
+                <a:spcPts val="1000"/>
+              </a:spcBef>
+              <a:spcAft>
+                <a:spcPts val="0"/>
+              </a:spcAft>
+              <a:buClrTx/>
+              <a:buSzTx/>
+              <a:buFont typeface="Arial"/>
+              <a:buNone/>
+              <a:tabLst/>
+              <a:defRPr/>
+            </a:pPr>
+            <a:r>
+              <a:rPr kumimoji="0" lang="en-US" sz="2300" b="1" i="0" u="none" strike="noStrike" kern="0" cap="none" spc="0" normalizeH="0" baseline="0" noProof="0" dirty="0">
+                <a:ln>
+                  <a:noFill/>
+                </a:ln>
+                <a:solidFill>
+                  <a:prstClr val="black"/>
+                </a:solidFill>
+                <a:effectLst/>
+                <a:uLnTx/>
+                <a:uFillTx/>
+                <a:latin typeface="Arial" panose="020B0604020202020204" pitchFamily="34" charset="0"/>
+                <a:cs typeface="Arial" panose="020B0604020202020204" pitchFamily="34" charset="0"/>
+              </a:rPr>
+              <a:t>Separate Data-Loading-Function for each relevant Data-Set</a:t>
+            </a:r>
+          </a:p>
+          <a:p>
+            <a:pPr marL="0" marR="0" lvl="0" indent="0" algn="l" defTabSz="914400" eaLnBrk="1" fontAlgn="auto" latinLnBrk="0" hangingPunct="1">
+              <a:lnSpc>
+                <a:spcPct val="90000"/>
+              </a:lnSpc>
+              <a:spcBef>
+                <a:spcPts val="1000"/>
+              </a:spcBef>
+              <a:spcAft>
+                <a:spcPts val="0"/>
+              </a:spcAft>
+              <a:buClrTx/>
+              <a:buSzTx/>
+              <a:buFont typeface="Arial"/>
+              <a:buNone/>
+              <a:tabLst/>
+              <a:defRPr/>
+            </a:pPr>
+            <a:endParaRPr kumimoji="0" lang="en-US" sz="2300" b="1" i="0" u="none" strike="noStrike" kern="0" cap="none" spc="0" normalizeH="0" baseline="0" noProof="0" dirty="0">
+              <a:ln>
+                <a:noFill/>
+              </a:ln>
+              <a:solidFill>
+                <a:prstClr val="black"/>
+              </a:solidFill>
+              <a:effectLst/>
+              <a:uLnTx/>
+              <a:uFillTx/>
+              <a:latin typeface="Arial" panose="020B0604020202020204" pitchFamily="34" charset="0"/>
+              <a:cs typeface="Arial" panose="020B0604020202020204" pitchFamily="34" charset="0"/>
+            </a:endParaRPr>
+          </a:p>
+          <a:p>
+            <a:pPr marL="0" marR="0" lvl="0" indent="0" algn="l" defTabSz="914400" eaLnBrk="1" fontAlgn="auto" latinLnBrk="0" hangingPunct="1">
+              <a:lnSpc>
+                <a:spcPct val="90000"/>
+              </a:lnSpc>
+              <a:spcBef>
+                <a:spcPts val="1000"/>
+              </a:spcBef>
+              <a:spcAft>
+                <a:spcPts val="0"/>
+              </a:spcAft>
+              <a:buClrTx/>
+              <a:buSzTx/>
+              <a:buFont typeface="Arial"/>
+              <a:buNone/>
+              <a:tabLst/>
+              <a:defRPr/>
+            </a:pPr>
+            <a:r>
+              <a:rPr lang="en-US" sz="2300" u="sng" dirty="0">
+                <a:solidFill>
+                  <a:prstClr val="black"/>
+                </a:solidFill>
+                <a:latin typeface="Arial" panose="020B0604020202020204" pitchFamily="34" charset="0"/>
+                <a:cs typeface="Arial" panose="020B0604020202020204" pitchFamily="34" charset="0"/>
+              </a:rPr>
+              <a:t>Example (Alcohol-Consumption-Data):</a:t>
+            </a:r>
+          </a:p>
+          <a:p>
+            <a:pPr marL="0" marR="0" lvl="0" indent="0" algn="l" defTabSz="914400" eaLnBrk="1" fontAlgn="auto" latinLnBrk="0" hangingPunct="1">
+              <a:lnSpc>
+                <a:spcPct val="90000"/>
+              </a:lnSpc>
+              <a:spcBef>
+                <a:spcPts val="1000"/>
+              </a:spcBef>
+              <a:spcAft>
+                <a:spcPts val="0"/>
+              </a:spcAft>
+              <a:buClrTx/>
+              <a:buSzTx/>
+              <a:buFont typeface="Arial"/>
+              <a:buNone/>
+              <a:tabLst/>
+              <a:defRPr/>
+            </a:pPr>
+            <a:endParaRPr lang="en-US" sz="2300" b="1" dirty="0">
+              <a:solidFill>
+                <a:prstClr val="black"/>
+              </a:solidFill>
+              <a:latin typeface="Arial" panose="020B0604020202020204" pitchFamily="34" charset="0"/>
+              <a:cs typeface="Arial" panose="020B0604020202020204" pitchFamily="34" charset="0"/>
+            </a:endParaRPr>
+          </a:p>
+        </p:txBody>
+      </p:sp>
     </p:spTree>
     <p:extLst>
       <p:ext uri="{BB962C8B-B14F-4D97-AF65-F5344CB8AC3E}">
@@ -14325,6 +14755,47 @@
                 <a:cs typeface="Arial"/>
               </a:rPr>
               <a:t>Highlights the economic divide and varying levels of development.</a:t>
+            </a:r>
+          </a:p>
+          <a:p>
+            <a:pPr marL="228600" marR="0" lvl="0" indent="-228600" algn="l" defTabSz="914400" eaLnBrk="1" fontAlgn="auto" latinLnBrk="0" hangingPunct="1">
+              <a:lnSpc>
+                <a:spcPct val="110000"/>
+              </a:lnSpc>
+              <a:spcBef>
+                <a:spcPts val="1000"/>
+              </a:spcBef>
+              <a:spcAft>
+                <a:spcPts val="0"/>
+              </a:spcAft>
+              <a:buClrTx/>
+              <a:buSzTx/>
+              <a:buFont typeface="Arial"/>
+              <a:buChar char="•"/>
+              <a:tabLst/>
+              <a:defRPr/>
+            </a:pPr>
+            <a:r>
+              <a:rPr lang="en-US" sz="1200" b="0" i="0" u="none" dirty="0">
+                <a:solidFill>
+                  <a:prstClr val="black"/>
+                </a:solidFill>
+                <a:latin typeface="Arial"/>
+                <a:ea typeface="Times New Roman"/>
+                <a:cs typeface="Arial"/>
+              </a:rPr>
+              <a:t>GDP as a proxy for the s</a:t>
+            </a:r>
+            <a:r>
+              <a:rPr lang="en-US" sz="1200" dirty="0">
+                <a:solidFill>
+                  <a:prstClr val="black"/>
+                </a:solidFill>
+                <a:latin typeface="Arial"/>
+                <a:ea typeface="Times New Roman"/>
+                <a:cs typeface="Arial"/>
+              </a:rPr>
+              <a:t>tandard of living.</a:t>
             </a:r>
             <a:br>
               <a:rPr lang="en-US" sz="1200" b="0" i="0" u="none" dirty="0">
